--- a/doc/task10/Praesentation_Task 9_und_Task 10.pptx
+++ b/doc/task10/Praesentation_Task 9_und_Task 10.pptx
@@ -5,10 +5,10 @@
     <p:sldMasterId id="2147483669" r:id="rId4"/>
   </p:sldMasterIdLst>
   <p:notesMasterIdLst>
-    <p:notesMasterId r:id="rId15"/>
+    <p:notesMasterId r:id="rId17"/>
   </p:notesMasterIdLst>
   <p:handoutMasterIdLst>
-    <p:handoutMasterId r:id="rId16"/>
+    <p:handoutMasterId r:id="rId18"/>
   </p:handoutMasterIdLst>
   <p:sldIdLst>
     <p:sldId id="259" r:id="rId5"/>
@@ -20,7 +20,9 @@
     <p:sldId id="304" r:id="rId11"/>
     <p:sldId id="305" r:id="rId12"/>
     <p:sldId id="306" r:id="rId13"/>
-    <p:sldId id="299" r:id="rId14"/>
+    <p:sldId id="307" r:id="rId14"/>
+    <p:sldId id="308" r:id="rId15"/>
+    <p:sldId id="299" r:id="rId16"/>
   </p:sldIdLst>
   <p:sldSz cx="9144000" cy="6858000" type="screen4x3"/>
   <p:notesSz cx="6669088" cy="9926638"/>
@@ -922,14 +924,14 @@
           </a:ln>
           <a:extLst>
             <a:ext uri="{909E8E84-426E-40dd-AFC4-6F175D3DCCD1}">
-              <a14:hiddenFill xmlns="" xmlns:a14="http://schemas.microsoft.com/office/drawing/2010/main">
+              <a14:hiddenFill xmlns:a14="http://schemas.microsoft.com/office/drawing/2010/main" xmlns="">
                 <a:solidFill>
                   <a:srgbClr val="FFFFFF"/>
                 </a:solidFill>
               </a14:hiddenFill>
             </a:ext>
             <a:ext uri="{91240B29-F687-4f45-9708-019B960494DF}">
-              <a14:hiddenLine xmlns="" xmlns:a14="http://schemas.microsoft.com/office/drawing/2010/main" w="9525">
+              <a14:hiddenLine xmlns:a14="http://schemas.microsoft.com/office/drawing/2010/main" xmlns="" w="9525">
                 <a:solidFill>
                   <a:srgbClr val="000000"/>
                 </a:solidFill>
@@ -2398,14 +2400,14 @@
           </a:ln>
           <a:extLst>
             <a:ext uri="{909E8E84-426E-40dd-AFC4-6F175D3DCCD1}">
-              <a14:hiddenFill xmlns="" xmlns:a14="http://schemas.microsoft.com/office/drawing/2010/main">
+              <a14:hiddenFill xmlns:a14="http://schemas.microsoft.com/office/drawing/2010/main" xmlns="">
                 <a:solidFill>
                   <a:srgbClr val="FFFFFF"/>
                 </a:solidFill>
               </a14:hiddenFill>
             </a:ext>
             <a:ext uri="{91240B29-F687-4f45-9708-019B960494DF}">
-              <a14:hiddenLine xmlns="" xmlns:a14="http://schemas.microsoft.com/office/drawing/2010/main" w="9525">
+              <a14:hiddenLine xmlns:a14="http://schemas.microsoft.com/office/drawing/2010/main" xmlns="" w="9525">
                 <a:solidFill>
                   <a:srgbClr val="000000"/>
                 </a:solidFill>
@@ -5879,14 +5881,14 @@
           </a:ln>
           <a:extLst>
             <a:ext uri="{909E8E84-426E-40dd-AFC4-6F175D3DCCD1}">
-              <a14:hiddenFill xmlns="" xmlns:a14="http://schemas.microsoft.com/office/drawing/2010/main">
+              <a14:hiddenFill xmlns:a14="http://schemas.microsoft.com/office/drawing/2010/main" xmlns="">
                 <a:solidFill>
                   <a:srgbClr val="FFFFFF"/>
                 </a:solidFill>
               </a14:hiddenFill>
             </a:ext>
             <a:ext uri="{91240B29-F687-4f45-9708-019B960494DF}">
-              <a14:hiddenLine xmlns="" xmlns:a14="http://schemas.microsoft.com/office/drawing/2010/main" w="9525">
+              <a14:hiddenLine xmlns:a14="http://schemas.microsoft.com/office/drawing/2010/main" xmlns="" w="9525">
                 <a:solidFill>
                   <a:srgbClr val="000000"/>
                 </a:solidFill>
@@ -6756,6 +6758,188 @@
       </p:grpSpPr>
       <p:sp>
         <p:nvSpPr>
+          <p:cNvPr id="3" name="Titel 2"/>
+          <p:cNvSpPr>
+            <a:spLocks noGrp="1"/>
+          </p:cNvSpPr>
+          <p:nvPr>
+            <p:ph type="ctrTitle"/>
+          </p:nvPr>
+        </p:nvSpPr>
+        <p:spPr/>
+        <p:txBody>
+          <a:bodyPr/>
+          <a:lstStyle/>
+          <a:p>
+            <a:r>
+              <a:rPr lang="de-CH" dirty="0" smtClean="0"/>
+              <a:t>Sprint </a:t>
+            </a:r>
+            <a:r>
+              <a:rPr lang="de-CH" dirty="0" err="1" smtClean="0"/>
+              <a:t>Backlog</a:t>
+            </a:r>
+            <a:endParaRPr lang="de-CH" dirty="0"/>
+          </a:p>
+        </p:txBody>
+      </p:sp>
+      <p:pic>
+        <p:nvPicPr>
+          <p:cNvPr id="4" name="Inhaltsplatzhalter 3"/>
+          <p:cNvPicPr>
+            <a:picLocks noGrp="1" noChangeAspect="1"/>
+          </p:cNvPicPr>
+          <p:nvPr>
+            <p:ph sz="half" idx="1"/>
+          </p:nvPr>
+        </p:nvPicPr>
+        <p:blipFill>
+          <a:blip r:embed="rId2"/>
+          <a:stretch>
+            <a:fillRect/>
+          </a:stretch>
+        </p:blipFill>
+        <p:spPr>
+          <a:xfrm>
+            <a:off x="104806" y="2537718"/>
+            <a:ext cx="8826440" cy="2484240"/>
+          </a:xfrm>
+          <a:prstGeom prst="rect">
+            <a:avLst/>
+          </a:prstGeom>
+        </p:spPr>
+      </p:pic>
+    </p:spTree>
+    <p:extLst>
+      <p:ext uri="{BB962C8B-B14F-4D97-AF65-F5344CB8AC3E}">
+        <p14:creationId xmlns:p14="http://schemas.microsoft.com/office/powerpoint/2010/main" val="1600598779"/>
+      </p:ext>
+    </p:extLst>
+  </p:cSld>
+  <p:clrMapOvr>
+    <a:masterClrMapping/>
+  </p:clrMapOvr>
+  <p:timing>
+    <p:tnLst>
+      <p:par>
+        <p:cTn id="1" dur="indefinite" restart="never" nodeType="tmRoot"/>
+      </p:par>
+    </p:tnLst>
+  </p:timing>
+</p:sld>
+</file>
+
+<file path=ppt/slides/slide11.xml><?xml version="1.0" encoding="utf-8"?>
+<p:sld xmlns:a="http://schemas.openxmlformats.org/drawingml/2006/main" xmlns:r="http://schemas.openxmlformats.org/officeDocument/2006/relationships" xmlns:p="http://schemas.openxmlformats.org/presentationml/2006/main">
+  <p:cSld>
+    <p:spTree>
+      <p:nvGrpSpPr>
+        <p:cNvPr id="1" name=""/>
+        <p:cNvGrpSpPr/>
+        <p:nvPr/>
+      </p:nvGrpSpPr>
+      <p:grpSpPr>
+        <a:xfrm>
+          <a:off x="0" y="0"/>
+          <a:ext cx="0" cy="0"/>
+          <a:chOff x="0" y="0"/>
+          <a:chExt cx="0" cy="0"/>
+        </a:xfrm>
+      </p:grpSpPr>
+      <p:sp>
+        <p:nvSpPr>
+          <p:cNvPr id="2" name="Inhaltsplatzhalter 1"/>
+          <p:cNvSpPr>
+            <a:spLocks noGrp="1"/>
+          </p:cNvSpPr>
+          <p:nvPr>
+            <p:ph sz="half" idx="1"/>
+          </p:nvPr>
+        </p:nvSpPr>
+        <p:spPr/>
+        <p:txBody>
+          <a:bodyPr/>
+          <a:lstStyle/>
+          <a:p>
+            <a:r>
+              <a:rPr lang="de-CH" dirty="0" err="1" smtClean="0"/>
+              <a:t>Reminderfunktion</a:t>
+            </a:r>
+            <a:r>
+              <a:rPr lang="de-CH" dirty="0" smtClean="0"/>
+              <a:t> (Medikamente) </a:t>
+            </a:r>
+            <a:r>
+              <a:rPr lang="de-CH" smtClean="0"/>
+              <a:t>-&gt; Abklärungen</a:t>
+            </a:r>
+            <a:endParaRPr lang="de-CH" dirty="0"/>
+          </a:p>
+        </p:txBody>
+      </p:sp>
+      <p:sp>
+        <p:nvSpPr>
+          <p:cNvPr id="3" name="Titel 2"/>
+          <p:cNvSpPr>
+            <a:spLocks noGrp="1"/>
+          </p:cNvSpPr>
+          <p:nvPr>
+            <p:ph type="ctrTitle"/>
+          </p:nvPr>
+        </p:nvSpPr>
+        <p:spPr/>
+        <p:txBody>
+          <a:bodyPr/>
+          <a:lstStyle/>
+          <a:p>
+            <a:r>
+              <a:rPr lang="de-CH" dirty="0" smtClean="0"/>
+              <a:t>Next </a:t>
+            </a:r>
+            <a:r>
+              <a:rPr lang="de-CH" dirty="0" err="1" smtClean="0"/>
+              <a:t>step</a:t>
+            </a:r>
+            <a:r>
+              <a:rPr lang="de-CH" dirty="0" smtClean="0"/>
+              <a:t>(s)</a:t>
+            </a:r>
+            <a:endParaRPr lang="de-CH" dirty="0"/>
+          </a:p>
+        </p:txBody>
+      </p:sp>
+    </p:spTree>
+    <p:extLst>
+      <p:ext uri="{BB962C8B-B14F-4D97-AF65-F5344CB8AC3E}">
+        <p14:creationId xmlns:p14="http://schemas.microsoft.com/office/powerpoint/2010/main" val="1997036073"/>
+      </p:ext>
+    </p:extLst>
+  </p:cSld>
+  <p:clrMapOvr>
+    <a:masterClrMapping/>
+  </p:clrMapOvr>
+</p:sld>
+</file>
+
+<file path=ppt/slides/slide12.xml><?xml version="1.0" encoding="utf-8"?>
+<p:sld xmlns:a="http://schemas.openxmlformats.org/drawingml/2006/main" xmlns:r="http://schemas.openxmlformats.org/officeDocument/2006/relationships" xmlns:p="http://schemas.openxmlformats.org/presentationml/2006/main">
+  <p:cSld>
+    <p:spTree>
+      <p:nvGrpSpPr>
+        <p:cNvPr id="1" name=""/>
+        <p:cNvGrpSpPr/>
+        <p:nvPr/>
+      </p:nvGrpSpPr>
+      <p:grpSpPr>
+        <a:xfrm>
+          <a:off x="0" y="0"/>
+          <a:ext cx="0" cy="0"/>
+          <a:chOff x="0" y="0"/>
+          <a:chExt cx="0" cy="0"/>
+        </a:xfrm>
+      </p:grpSpPr>
+      <p:sp>
+        <p:nvSpPr>
           <p:cNvPr id="2" name="Titel 1"/>
           <p:cNvSpPr>
             <a:spLocks noGrp="1"/>
@@ -7023,8 +7207,91 @@
           <a:bodyPr/>
           <a:lstStyle/>
           <a:p>
+            <a:endParaRPr lang="de-CH" dirty="0" smtClean="0"/>
+          </a:p>
+          <a:p>
             <a:r>
               <a:rPr lang="de-CH" dirty="0" smtClean="0"/>
+              <a:t>Personalisiertes </a:t>
+            </a:r>
+            <a:r>
+              <a:rPr lang="de-CH" dirty="0" err="1" smtClean="0"/>
+              <a:t>Skill</a:t>
+            </a:r>
+            <a:r>
+              <a:rPr lang="de-CH" dirty="0"/>
+              <a:t>-</a:t>
+            </a:r>
+            <a:r>
+              <a:rPr lang="de-CH" dirty="0" smtClean="0"/>
+              <a:t>Set</a:t>
+            </a:r>
+            <a:endParaRPr lang="de-CH" dirty="0" smtClean="0"/>
+          </a:p>
+          <a:p>
+            <a:r>
+              <a:rPr lang="de-CH" dirty="0" smtClean="0"/>
+              <a:t>Personalisierte Kontaktliste</a:t>
+            </a:r>
+          </a:p>
+          <a:p>
+            <a:r>
+              <a:rPr lang="de-CH" dirty="0" smtClean="0"/>
+              <a:t>App ist einfach </a:t>
+            </a:r>
+            <a:endParaRPr lang="de-CH" dirty="0"/>
+          </a:p>
+          <a:p>
+            <a:r>
+              <a:rPr lang="de-CH" dirty="0"/>
+              <a:t>Die App soll ermöglichen, dass Telefonnummern für den Patienten durch den </a:t>
+            </a:r>
+            <a:r>
+              <a:rPr lang="de-CH" dirty="0" smtClean="0"/>
+              <a:t>Betreuerkonfiguriert </a:t>
+            </a:r>
+            <a:r>
+              <a:rPr lang="de-CH" dirty="0"/>
+              <a:t>werden </a:t>
+            </a:r>
+            <a:r>
+              <a:rPr lang="de-CH" dirty="0" smtClean="0"/>
+              <a:t>können</a:t>
+            </a:r>
+          </a:p>
+          <a:p>
+            <a:r>
+              <a:rPr lang="de-CH" dirty="0" smtClean="0"/>
+              <a:t>Weitere </a:t>
+            </a:r>
+            <a:r>
+              <a:rPr lang="de-CH" dirty="0" err="1" smtClean="0"/>
+              <a:t>requirements</a:t>
+            </a:r>
+            <a:r>
+              <a:rPr lang="de-CH" dirty="0" smtClean="0"/>
+              <a:t> sind dem </a:t>
+            </a:r>
+            <a:r>
+              <a:rPr lang="de-CH" dirty="0" err="1" smtClean="0"/>
+              <a:t>Requirements</a:t>
+            </a:r>
+            <a:r>
+              <a:rPr lang="de-CH" dirty="0" smtClean="0"/>
+              <a:t> </a:t>
+            </a:r>
+            <a:r>
+              <a:rPr lang="de-CH" dirty="0" err="1" smtClean="0"/>
+              <a:t>Documents</a:t>
+            </a:r>
+            <a:r>
+              <a:rPr lang="de-CH" dirty="0" smtClean="0"/>
+              <a:t> zu entnehmen.</a:t>
+            </a:r>
+          </a:p>
+          <a:p>
+            <a:r>
+              <a:rPr lang="de-CH" b="1" dirty="0"/>
               <a:t>Datenbankarchitektur definieren verschoben</a:t>
             </a:r>
           </a:p>
@@ -7349,11 +7616,7 @@
           <a:p>
             <a:r>
               <a:rPr lang="de-CH" dirty="0" smtClean="0"/>
-              <a:t>Task </a:t>
-            </a:r>
-            <a:r>
-              <a:rPr lang="de-CH" dirty="0" smtClean="0"/>
-              <a:t>10</a:t>
+              <a:t>Task 10</a:t>
             </a:r>
             <a:r>
               <a:rPr lang="de-CH" dirty="0"/>
@@ -7564,7 +7827,7 @@
       </p:sp>
       <p:pic>
         <p:nvPicPr>
-          <p:cNvPr id="4" name="Grafik 3"/>
+          <p:cNvPr id="5" name="Grafik 4"/>
           <p:cNvPicPr>
             <a:picLocks noChangeAspect="1"/>
           </p:cNvPicPr>
@@ -7578,8 +7841,8 @@
         </p:blipFill>
         <p:spPr>
           <a:xfrm>
-            <a:off x="61442" y="1138688"/>
-            <a:ext cx="9021116" cy="4580624"/>
+            <a:off x="184935" y="1641088"/>
+            <a:ext cx="8774130" cy="3575824"/>
           </a:xfrm>
           <a:prstGeom prst="rect">
             <a:avLst/>
@@ -8497,20 +8760,20 @@
 </file>
 
 <file path=customXml/item2.xml><?xml version="1.0" encoding="utf-8"?>
-<p:properties xmlns:p="http://schemas.microsoft.com/office/2006/metadata/properties" xmlns:xsi="http://www.w3.org/2001/XMLSchema-instance">
-  <documentManagement>
-    <AVMTitle xmlns="5091c847-84be-4f4f-b16c-c018ad2ca66b">Präsentation BFH_2013</AVMTitle>
-  </documentManagement>
-</p:properties>
-</file>
-
-<file path=customXml/item3.xml><?xml version="1.0" encoding="utf-8"?>
 <?mso-contentType ?>
 <FormTemplates xmlns="http://schemas.microsoft.com/sharepoint/v3/contenttype/forms">
   <Display>DocumentLibraryForm</Display>
   <Edit>DocumentLibraryForm</Edit>
   <New>DocumentLibraryForm</New>
 </FormTemplates>
+</file>
+
+<file path=customXml/item3.xml><?xml version="1.0" encoding="utf-8"?>
+<p:properties xmlns:p="http://schemas.microsoft.com/office/2006/metadata/properties" xmlns:xsi="http://www.w3.org/2001/XMLSchema-instance">
+  <documentManagement>
+    <AVMTitle xmlns="5091c847-84be-4f4f-b16c-c018ad2ca66b">Präsentation BFH_2013</AVMTitle>
+  </documentManagement>
+</p:properties>
 </file>
 
 <file path=customXml/itemProps1.xml><?xml version="1.0" encoding="utf-8"?>
@@ -8531,6 +8794,14 @@
 </file>
 
 <file path=customXml/itemProps2.xml><?xml version="1.0" encoding="utf-8"?>
+<ds:datastoreItem xmlns:ds="http://schemas.openxmlformats.org/officeDocument/2006/customXml" ds:itemID="{1851D33F-E468-417B-A30C-509B68D2BD09}">
+  <ds:schemaRefs>
+    <ds:schemaRef ds:uri="http://schemas.microsoft.com/sharepoint/v3/contenttype/forms"/>
+  </ds:schemaRefs>
+</ds:datastoreItem>
+</file>
+
+<file path=customXml/itemProps3.xml><?xml version="1.0" encoding="utf-8"?>
 <ds:datastoreItem xmlns:ds="http://schemas.openxmlformats.org/officeDocument/2006/customXml" ds:itemID="{32991507-CB83-4F49-BAFB-D322B1D04098}">
   <ds:schemaRefs>
     <ds:schemaRef ds:uri="http://schemas.microsoft.com/office/2006/metadata/properties"/>
@@ -8543,12 +8814,4 @@
     <ds:schemaRef ds:uri="http://purl.org/dc/elements/1.1/"/>
   </ds:schemaRefs>
 </ds:datastoreItem>
-</file>
-
-<file path=customXml/itemProps3.xml><?xml version="1.0" encoding="utf-8"?>
-<ds:datastoreItem xmlns:ds="http://schemas.openxmlformats.org/officeDocument/2006/customXml" ds:itemID="{1851D33F-E468-417B-A30C-509B68D2BD09}">
-  <ds:schemaRefs>
-    <ds:schemaRef ds:uri="http://schemas.microsoft.com/sharepoint/v3/contenttype/forms"/>
-  </ds:schemaRefs>
-</ds:datastoreItem>
 </file>
--- a/doc/task10/Praesentation_Task 9_und_Task 10.pptx
+++ b/doc/task10/Praesentation_Task 9_und_Task 10.pptx
@@ -153,7 +153,7 @@
   </p:defaultTextStyle>
   <p:extLst>
     <p:ext uri="{EFAFB233-063F-42B5-8137-9DF3F51BA10A}">
-      <p15:sldGuideLst xmlns:p15="http://schemas.microsoft.com/office/powerpoint/2012/main">
+      <p15:sldGuideLst xmlns:p15="http://schemas.microsoft.com/office/powerpoint/2012/main" xmlns="">
         <p15:guide id="1" orient="horz" pos="2160">
           <p15:clr>
             <a:srgbClr val="A4A3A4"/>
@@ -167,7 +167,7 @@
       </p15:sldGuideLst>
     </p:ext>
     <p:ext uri="{2D200454-40CA-4A62-9FC3-DE9A4176ACB9}">
-      <p15:notesGuideLst xmlns:p15="http://schemas.microsoft.com/office/powerpoint/2012/main">
+      <p15:notesGuideLst xmlns:p15="http://schemas.microsoft.com/office/powerpoint/2012/main" xmlns="">
         <p15:guide id="1" orient="horz" pos="3127">
           <p15:clr>
             <a:srgbClr val="A4A3A4"/>
@@ -266,7 +266,7 @@
           <a:p>
             <a:fld id="{EFA0D184-D464-48E9-9CA0-A94E873F6C2C}" type="datetimeFigureOut">
               <a:rPr lang="de-CH" smtClean="0"/>
-              <a:t>27.11.2013</a:t>
+              <a:t>27.11.13</a:t>
             </a:fld>
             <a:endParaRPr lang="de-CH"/>
           </a:p>
@@ -431,7 +431,7 @@
           <a:p>
             <a:fld id="{5AF2B663-2BA9-4D7E-8201-5DE4109E1EDD}" type="datetimeFigureOut">
               <a:rPr lang="de-CH" smtClean="0"/>
-              <a:t>27.11.2013</a:t>
+              <a:t>27.11.13</a:t>
             </a:fld>
             <a:endParaRPr lang="de-CH"/>
           </a:p>
@@ -924,14 +924,14 @@
           </a:ln>
           <a:extLst>
             <a:ext uri="{909E8E84-426E-40dd-AFC4-6F175D3DCCD1}">
-              <a14:hiddenFill xmlns:a14="http://schemas.microsoft.com/office/drawing/2010/main" xmlns="">
+              <a14:hiddenFill xmlns:a14="http://schemas.microsoft.com/office/drawing/2010/main">
                 <a:solidFill>
                   <a:srgbClr val="FFFFFF"/>
                 </a:solidFill>
               </a14:hiddenFill>
             </a:ext>
             <a:ext uri="{91240B29-F687-4f45-9708-019B960494DF}">
-              <a14:hiddenLine xmlns:a14="http://schemas.microsoft.com/office/drawing/2010/main" xmlns="" w="9525">
+              <a14:hiddenLine xmlns:a14="http://schemas.microsoft.com/office/drawing/2010/main" w="9525">
                 <a:solidFill>
                   <a:srgbClr val="000000"/>
                 </a:solidFill>
@@ -2400,14 +2400,14 @@
           </a:ln>
           <a:extLst>
             <a:ext uri="{909E8E84-426E-40dd-AFC4-6F175D3DCCD1}">
-              <a14:hiddenFill xmlns:a14="http://schemas.microsoft.com/office/drawing/2010/main" xmlns="">
+              <a14:hiddenFill xmlns:a14="http://schemas.microsoft.com/office/drawing/2010/main">
                 <a:solidFill>
                   <a:srgbClr val="FFFFFF"/>
                 </a:solidFill>
               </a14:hiddenFill>
             </a:ext>
             <a:ext uri="{91240B29-F687-4f45-9708-019B960494DF}">
-              <a14:hiddenLine xmlns:a14="http://schemas.microsoft.com/office/drawing/2010/main" xmlns="" w="9525">
+              <a14:hiddenLine xmlns:a14="http://schemas.microsoft.com/office/drawing/2010/main" w="9525">
                 <a:solidFill>
                   <a:srgbClr val="000000"/>
                 </a:solidFill>
@@ -5881,14 +5881,14 @@
           </a:ln>
           <a:extLst>
             <a:ext uri="{909E8E84-426E-40dd-AFC4-6F175D3DCCD1}">
-              <a14:hiddenFill xmlns:a14="http://schemas.microsoft.com/office/drawing/2010/main" xmlns="">
+              <a14:hiddenFill xmlns:a14="http://schemas.microsoft.com/office/drawing/2010/main">
                 <a:solidFill>
                   <a:srgbClr val="FFFFFF"/>
                 </a:solidFill>
               </a14:hiddenFill>
             </a:ext>
             <a:ext uri="{91240B29-F687-4f45-9708-019B960494DF}">
-              <a14:hiddenLine xmlns:a14="http://schemas.microsoft.com/office/drawing/2010/main" xmlns="" w="9525">
+              <a14:hiddenLine xmlns:a14="http://schemas.microsoft.com/office/drawing/2010/main" w="9525">
                 <a:solidFill>
                   <a:srgbClr val="000000"/>
                 </a:solidFill>
@@ -6226,7 +6226,7 @@
   <p:timing>
     <p:tnLst>
       <p:par>
-        <p:cTn id="1" dur="indefinite" restart="never" nodeType="tmRoot"/>
+        <p:cTn xmlns:p14="http://schemas.microsoft.com/office/powerpoint/2010/main" id="1" dur="indefinite" restart="never" nodeType="tmRoot"/>
       </p:par>
     </p:tnLst>
   </p:timing>
@@ -6732,7 +6732,7 @@
   <p:timing>
     <p:tnLst>
       <p:par>
-        <p:cTn id="1" dur="indefinite" restart="never" nodeType="tmRoot"/>
+        <p:cTn xmlns:p14="http://schemas.microsoft.com/office/powerpoint/2010/main" id="1" dur="indefinite" restart="never" nodeType="tmRoot"/>
       </p:par>
     </p:tnLst>
   </p:timing>
@@ -6822,7 +6822,7 @@
   <p:timing>
     <p:tnLst>
       <p:par>
-        <p:cTn id="1" dur="indefinite" restart="never" nodeType="tmRoot"/>
+        <p:cTn xmlns:p14="http://schemas.microsoft.com/office/powerpoint/2010/main" id="1" dur="indefinite" restart="never" nodeType="tmRoot"/>
       </p:par>
     </p:tnLst>
   </p:timing>
@@ -6974,7 +6974,7 @@
   <p:timing>
     <p:tnLst>
       <p:par>
-        <p:cTn id="1" dur="indefinite" restart="never" nodeType="tmRoot"/>
+        <p:cTn xmlns:p14="http://schemas.microsoft.com/office/powerpoint/2010/main" id="1" dur="indefinite" restart="never" nodeType="tmRoot"/>
       </p:par>
     </p:tnLst>
   </p:timing>
@@ -7060,7 +7060,7 @@
   <p:timing>
     <p:tnLst>
       <p:par>
-        <p:cTn id="1" dur="indefinite" restart="never" nodeType="tmRoot"/>
+        <p:cTn xmlns:p14="http://schemas.microsoft.com/office/powerpoint/2010/main" id="1" dur="indefinite" restart="never" nodeType="tmRoot"/>
       </p:par>
     </p:tnLst>
   </p:timing>
@@ -7168,7 +7168,7 @@
   <p:timing>
     <p:tnLst>
       <p:par>
-        <p:cTn id="1" dur="indefinite" restart="never" nodeType="tmRoot"/>
+        <p:cTn xmlns:p14="http://schemas.microsoft.com/office/powerpoint/2010/main" id="1" dur="indefinite" restart="never" nodeType="tmRoot"/>
       </p:par>
     </p:tnLst>
   </p:timing>
@@ -7226,7 +7226,6 @@
               <a:rPr lang="de-CH" dirty="0" smtClean="0"/>
               <a:t>Set</a:t>
             </a:r>
-            <a:endParaRPr lang="de-CH" dirty="0" smtClean="0"/>
           </a:p>
           <a:p>
             <a:r>
@@ -7248,7 +7247,7 @@
             </a:r>
             <a:r>
               <a:rPr lang="de-CH" dirty="0" smtClean="0"/>
-              <a:t>Betreuerkonfiguriert </a:t>
+              <a:t>Betreuer konfiguriert </a:t>
             </a:r>
             <a:r>
               <a:rPr lang="de-CH" dirty="0"/>
@@ -7351,7 +7350,7 @@
   <p:timing>
     <p:tnLst>
       <p:par>
-        <p:cTn id="1" dur="indefinite" restart="never" nodeType="tmRoot"/>
+        <p:cTn xmlns:p14="http://schemas.microsoft.com/office/powerpoint/2010/main" id="1" dur="indefinite" restart="never" nodeType="tmRoot"/>
       </p:par>
     </p:tnLst>
   </p:timing>
@@ -7401,19 +7400,11 @@
             </a:r>
             <a:r>
               <a:rPr lang="de-DE" dirty="0"/>
-              <a:t>-Logik . Zudem wird es von </a:t>
-            </a:r>
-            <a:r>
-              <a:rPr lang="de-DE" dirty="0" err="1"/>
-              <a:t>Vaadin</a:t>
-            </a:r>
-            <a:r>
-              <a:rPr lang="de-DE" dirty="0"/>
-              <a:t> besser unterstützt</a:t>
+              <a:t>-</a:t>
             </a:r>
             <a:r>
               <a:rPr lang="de-DE" dirty="0" smtClean="0"/>
-              <a:t>.)</a:t>
+              <a:t>Logik)</a:t>
             </a:r>
             <a:endParaRPr lang="de-CH" dirty="0"/>
           </a:p>
@@ -7482,7 +7473,7 @@
   <p:timing>
     <p:tnLst>
       <p:par>
-        <p:cTn id="1" dur="indefinite" restart="never" nodeType="tmRoot"/>
+        <p:cTn xmlns:p14="http://schemas.microsoft.com/office/powerpoint/2010/main" id="1" dur="indefinite" restart="never" nodeType="tmRoot"/>
       </p:par>
     </p:tnLst>
   </p:timing>
@@ -7575,7 +7566,7 @@
   <p:timing>
     <p:tnLst>
       <p:par>
-        <p:cTn id="1" dur="indefinite" restart="never" nodeType="tmRoot"/>
+        <p:cTn xmlns:p14="http://schemas.microsoft.com/office/powerpoint/2010/main" id="1" dur="indefinite" restart="never" nodeType="tmRoot"/>
       </p:par>
     </p:tnLst>
   </p:timing>
@@ -7661,7 +7652,7 @@
   <p:timing>
     <p:tnLst>
       <p:par>
-        <p:cTn id="1" dur="indefinite" restart="never" nodeType="tmRoot"/>
+        <p:cTn xmlns:p14="http://schemas.microsoft.com/office/powerpoint/2010/main" id="1" dur="indefinite" restart="never" nodeType="tmRoot"/>
       </p:par>
     </p:tnLst>
   </p:timing>
@@ -7755,7 +7746,7 @@
   <p:timing>
     <p:tnLst>
       <p:par>
-        <p:cTn id="1" dur="indefinite" restart="never" nodeType="tmRoot"/>
+        <p:cTn xmlns:p14="http://schemas.microsoft.com/office/powerpoint/2010/main" id="1" dur="indefinite" restart="never" nodeType="tmRoot"/>
       </p:par>
     </p:tnLst>
   </p:timing>
@@ -7862,7 +7853,7 @@
   <p:timing>
     <p:tnLst>
       <p:par>
-        <p:cTn id="1" dur="indefinite" restart="never" nodeType="tmRoot"/>
+        <p:cTn xmlns:p14="http://schemas.microsoft.com/office/powerpoint/2010/main" id="1" dur="indefinite" restart="never" nodeType="tmRoot"/>
       </p:par>
     </p:tnLst>
   </p:timing>

--- a/doc/task10/Praesentation_Task 9_und_Task 10.pptx
+++ b/doc/task10/Praesentation_Task 9_und_Task 10.pptx
@@ -153,7 +153,7 @@
   </p:defaultTextStyle>
   <p:extLst>
     <p:ext uri="{EFAFB233-063F-42B5-8137-9DF3F51BA10A}">
-      <p15:sldGuideLst xmlns:p15="http://schemas.microsoft.com/office/powerpoint/2012/main" xmlns="">
+      <p15:sldGuideLst xmlns:p15="http://schemas.microsoft.com/office/powerpoint/2012/main">
         <p15:guide id="1" orient="horz" pos="2160">
           <p15:clr>
             <a:srgbClr val="A4A3A4"/>
@@ -167,7 +167,7 @@
       </p15:sldGuideLst>
     </p:ext>
     <p:ext uri="{2D200454-40CA-4A62-9FC3-DE9A4176ACB9}">
-      <p15:notesGuideLst xmlns:p15="http://schemas.microsoft.com/office/powerpoint/2012/main" xmlns="">
+      <p15:notesGuideLst xmlns:p15="http://schemas.microsoft.com/office/powerpoint/2012/main">
         <p15:guide id="1" orient="horz" pos="3127">
           <p15:clr>
             <a:srgbClr val="A4A3A4"/>
@@ -266,7 +266,7 @@
           <a:p>
             <a:fld id="{EFA0D184-D464-48E9-9CA0-A94E873F6C2C}" type="datetimeFigureOut">
               <a:rPr lang="de-CH" smtClean="0"/>
-              <a:t>27.11.13</a:t>
+              <a:t>27.11.2013</a:t>
             </a:fld>
             <a:endParaRPr lang="de-CH"/>
           </a:p>
@@ -431,7 +431,7 @@
           <a:p>
             <a:fld id="{5AF2B663-2BA9-4D7E-8201-5DE4109E1EDD}" type="datetimeFigureOut">
               <a:rPr lang="de-CH" smtClean="0"/>
-              <a:t>27.11.13</a:t>
+              <a:t>27.11.2013</a:t>
             </a:fld>
             <a:endParaRPr lang="de-CH"/>
           </a:p>
@@ -924,14 +924,14 @@
           </a:ln>
           <a:extLst>
             <a:ext uri="{909E8E84-426E-40dd-AFC4-6F175D3DCCD1}">
-              <a14:hiddenFill xmlns:a14="http://schemas.microsoft.com/office/drawing/2010/main">
+              <a14:hiddenFill xmlns:a14="http://schemas.microsoft.com/office/drawing/2010/main" xmlns="">
                 <a:solidFill>
                   <a:srgbClr val="FFFFFF"/>
                 </a:solidFill>
               </a14:hiddenFill>
             </a:ext>
             <a:ext uri="{91240B29-F687-4f45-9708-019B960494DF}">
-              <a14:hiddenLine xmlns:a14="http://schemas.microsoft.com/office/drawing/2010/main" w="9525">
+              <a14:hiddenLine xmlns:a14="http://schemas.microsoft.com/office/drawing/2010/main" xmlns="" w="9525">
                 <a:solidFill>
                   <a:srgbClr val="000000"/>
                 </a:solidFill>
@@ -2400,14 +2400,14 @@
           </a:ln>
           <a:extLst>
             <a:ext uri="{909E8E84-426E-40dd-AFC4-6F175D3DCCD1}">
-              <a14:hiddenFill xmlns:a14="http://schemas.microsoft.com/office/drawing/2010/main">
+              <a14:hiddenFill xmlns:a14="http://schemas.microsoft.com/office/drawing/2010/main" xmlns="">
                 <a:solidFill>
                   <a:srgbClr val="FFFFFF"/>
                 </a:solidFill>
               </a14:hiddenFill>
             </a:ext>
             <a:ext uri="{91240B29-F687-4f45-9708-019B960494DF}">
-              <a14:hiddenLine xmlns:a14="http://schemas.microsoft.com/office/drawing/2010/main" w="9525">
+              <a14:hiddenLine xmlns:a14="http://schemas.microsoft.com/office/drawing/2010/main" xmlns="" w="9525">
                 <a:solidFill>
                   <a:srgbClr val="000000"/>
                 </a:solidFill>
@@ -5881,14 +5881,14 @@
           </a:ln>
           <a:extLst>
             <a:ext uri="{909E8E84-426E-40dd-AFC4-6F175D3DCCD1}">
-              <a14:hiddenFill xmlns:a14="http://schemas.microsoft.com/office/drawing/2010/main">
+              <a14:hiddenFill xmlns:a14="http://schemas.microsoft.com/office/drawing/2010/main" xmlns="">
                 <a:solidFill>
                   <a:srgbClr val="FFFFFF"/>
                 </a:solidFill>
               </a14:hiddenFill>
             </a:ext>
             <a:ext uri="{91240B29-F687-4f45-9708-019B960494DF}">
-              <a14:hiddenLine xmlns:a14="http://schemas.microsoft.com/office/drawing/2010/main" w="9525">
+              <a14:hiddenLine xmlns:a14="http://schemas.microsoft.com/office/drawing/2010/main" xmlns="" w="9525">
                 <a:solidFill>
                   <a:srgbClr val="000000"/>
                 </a:solidFill>
@@ -6226,7 +6226,7 @@
   <p:timing>
     <p:tnLst>
       <p:par>
-        <p:cTn xmlns:p14="http://schemas.microsoft.com/office/powerpoint/2010/main" id="1" dur="indefinite" restart="never" nodeType="tmRoot"/>
+        <p:cTn id="1" dur="indefinite" restart="never" nodeType="tmRoot"/>
       </p:par>
     </p:tnLst>
   </p:timing>
@@ -6732,7 +6732,7 @@
   <p:timing>
     <p:tnLst>
       <p:par>
-        <p:cTn xmlns:p14="http://schemas.microsoft.com/office/powerpoint/2010/main" id="1" dur="indefinite" restart="never" nodeType="tmRoot"/>
+        <p:cTn id="1" dur="indefinite" restart="never" nodeType="tmRoot"/>
       </p:par>
     </p:tnLst>
   </p:timing>
@@ -6822,7 +6822,7 @@
   <p:timing>
     <p:tnLst>
       <p:par>
-        <p:cTn xmlns:p14="http://schemas.microsoft.com/office/powerpoint/2010/main" id="1" dur="indefinite" restart="never" nodeType="tmRoot"/>
+        <p:cTn id="1" dur="indefinite" restart="never" nodeType="tmRoot"/>
       </p:par>
     </p:tnLst>
   </p:timing>
@@ -6974,7 +6974,7 @@
   <p:timing>
     <p:tnLst>
       <p:par>
-        <p:cTn xmlns:p14="http://schemas.microsoft.com/office/powerpoint/2010/main" id="1" dur="indefinite" restart="never" nodeType="tmRoot"/>
+        <p:cTn id="1" dur="indefinite" restart="never" nodeType="tmRoot"/>
       </p:par>
     </p:tnLst>
   </p:timing>
@@ -7060,7 +7060,7 @@
   <p:timing>
     <p:tnLst>
       <p:par>
-        <p:cTn xmlns:p14="http://schemas.microsoft.com/office/powerpoint/2010/main" id="1" dur="indefinite" restart="never" nodeType="tmRoot"/>
+        <p:cTn id="1" dur="indefinite" restart="never" nodeType="tmRoot"/>
       </p:par>
     </p:tnLst>
   </p:timing>
@@ -7129,15 +7129,11 @@
           <a:lstStyle/>
           <a:p>
             <a:r>
-              <a:rPr lang="de-CH" dirty="0"/>
-              <a:t>design a </a:t>
-            </a:r>
-            <a:r>
-              <a:rPr lang="de-CH" dirty="0" err="1"/>
+              <a:rPr lang="de-CH" smtClean="0"/>
               <a:t>software</a:t>
             </a:r>
             <a:r>
-              <a:rPr lang="de-CH" dirty="0"/>
+              <a:rPr lang="de-CH" dirty="0" smtClean="0"/>
               <a:t> </a:t>
             </a:r>
             <a:r>
@@ -7168,7 +7164,7 @@
   <p:timing>
     <p:tnLst>
       <p:par>
-        <p:cTn xmlns:p14="http://schemas.microsoft.com/office/powerpoint/2010/main" id="1" dur="indefinite" restart="never" nodeType="tmRoot"/>
+        <p:cTn id="1" dur="indefinite" restart="never" nodeType="tmRoot"/>
       </p:par>
     </p:tnLst>
   </p:timing>
@@ -7350,7 +7346,7 @@
   <p:timing>
     <p:tnLst>
       <p:par>
-        <p:cTn xmlns:p14="http://schemas.microsoft.com/office/powerpoint/2010/main" id="1" dur="indefinite" restart="never" nodeType="tmRoot"/>
+        <p:cTn id="1" dur="indefinite" restart="never" nodeType="tmRoot"/>
       </p:par>
     </p:tnLst>
   </p:timing>
@@ -7473,7 +7469,7 @@
   <p:timing>
     <p:tnLst>
       <p:par>
-        <p:cTn xmlns:p14="http://schemas.microsoft.com/office/powerpoint/2010/main" id="1" dur="indefinite" restart="never" nodeType="tmRoot"/>
+        <p:cTn id="1" dur="indefinite" restart="never" nodeType="tmRoot"/>
       </p:par>
     </p:tnLst>
   </p:timing>
@@ -7566,7 +7562,7 @@
   <p:timing>
     <p:tnLst>
       <p:par>
-        <p:cTn xmlns:p14="http://schemas.microsoft.com/office/powerpoint/2010/main" id="1" dur="indefinite" restart="never" nodeType="tmRoot"/>
+        <p:cTn id="1" dur="indefinite" restart="never" nodeType="tmRoot"/>
       </p:par>
     </p:tnLst>
   </p:timing>
@@ -7652,7 +7648,7 @@
   <p:timing>
     <p:tnLst>
       <p:par>
-        <p:cTn xmlns:p14="http://schemas.microsoft.com/office/powerpoint/2010/main" id="1" dur="indefinite" restart="never" nodeType="tmRoot"/>
+        <p:cTn id="1" dur="indefinite" restart="never" nodeType="tmRoot"/>
       </p:par>
     </p:tnLst>
   </p:timing>
@@ -7746,7 +7742,7 @@
   <p:timing>
     <p:tnLst>
       <p:par>
-        <p:cTn xmlns:p14="http://schemas.microsoft.com/office/powerpoint/2010/main" id="1" dur="indefinite" restart="never" nodeType="tmRoot"/>
+        <p:cTn id="1" dur="indefinite" restart="never" nodeType="tmRoot"/>
       </p:par>
     </p:tnLst>
   </p:timing>
@@ -7853,7 +7849,7 @@
   <p:timing>
     <p:tnLst>
       <p:par>
-        <p:cTn xmlns:p14="http://schemas.microsoft.com/office/powerpoint/2010/main" id="1" dur="indefinite" restart="never" nodeType="tmRoot"/>
+        <p:cTn id="1" dur="indefinite" restart="never" nodeType="tmRoot"/>
       </p:par>
     </p:tnLst>
   </p:timing>
@@ -8691,6 +8687,15 @@
 </file>
 
 <file path=customXml/item1.xml><?xml version="1.0" encoding="utf-8"?>
+<?mso-contentType ?>
+<FormTemplates xmlns="http://schemas.microsoft.com/sharepoint/v3/contenttype/forms">
+  <Display>DocumentLibraryForm</Display>
+  <Edit>DocumentLibraryForm</Edit>
+  <New>DocumentLibraryForm</New>
+</FormTemplates>
+</file>
+
+<file path=customXml/item2.xml><?xml version="1.0" encoding="utf-8"?>
 <ct:contentTypeSchema xmlns:ct="http://schemas.microsoft.com/office/2006/metadata/contentType" xmlns:ma="http://schemas.microsoft.com/office/2006/metadata/properties/metaAttributes" ct:_="" ma:_="" ma:contentTypeName="Dokument" ma:contentTypeID="0x010100EBE3A9EFF36793468C03E2811ACE2A2B" ma:contentTypeVersion="1" ma:contentTypeDescription="Ein neues Dokument erstellen." ma:contentTypeScope="" ma:versionID="e65be32cb1bfff77fc8c9c09bf542651">
   <xsd:schema xmlns:xsd="http://www.w3.org/2001/XMLSchema" xmlns:p="http://schemas.microsoft.com/office/2006/metadata/properties" xmlns:ns2="5091c847-84be-4f4f-b16c-c018ad2ca66b" targetNamespace="http://schemas.microsoft.com/office/2006/metadata/properties" ma:root="true" ma:fieldsID="7636c84aed5b7d09a166fcef888725d4" ns2:_="">
     <xsd:import namespace="5091c847-84be-4f4f-b16c-c018ad2ca66b"/>
@@ -8750,15 +8755,6 @@
 </ct:contentTypeSchema>
 </file>
 
-<file path=customXml/item2.xml><?xml version="1.0" encoding="utf-8"?>
-<?mso-contentType ?>
-<FormTemplates xmlns="http://schemas.microsoft.com/sharepoint/v3/contenttype/forms">
-  <Display>DocumentLibraryForm</Display>
-  <Edit>DocumentLibraryForm</Edit>
-  <New>DocumentLibraryForm</New>
-</FormTemplates>
-</file>
-
 <file path=customXml/item3.xml><?xml version="1.0" encoding="utf-8"?>
 <p:properties xmlns:p="http://schemas.microsoft.com/office/2006/metadata/properties" xmlns:xsi="http://www.w3.org/2001/XMLSchema-instance">
   <documentManagement>
@@ -8768,6 +8764,14 @@
 </file>
 
 <file path=customXml/itemProps1.xml><?xml version="1.0" encoding="utf-8"?>
+<ds:datastoreItem xmlns:ds="http://schemas.openxmlformats.org/officeDocument/2006/customXml" ds:itemID="{1851D33F-E468-417B-A30C-509B68D2BD09}">
+  <ds:schemaRefs>
+    <ds:schemaRef ds:uri="http://schemas.microsoft.com/sharepoint/v3/contenttype/forms"/>
+  </ds:schemaRefs>
+</ds:datastoreItem>
+</file>
+
+<file path=customXml/itemProps2.xml><?xml version="1.0" encoding="utf-8"?>
 <ds:datastoreItem xmlns:ds="http://schemas.openxmlformats.org/officeDocument/2006/customXml" ds:itemID="{15287BEA-F3FF-4B87-929B-5D0092183197}">
   <ds:schemaRefs>
     <ds:schemaRef ds:uri="http://schemas.microsoft.com/office/2006/metadata/contentType"/>
@@ -8780,14 +8784,6 @@
     <ds:schemaRef ds:uri="http://purl.org/dc/elements/1.1/"/>
     <ds:schemaRef ds:uri="http://purl.org/dc/terms/"/>
     <ds:schemaRef ds:uri="http://schemas.microsoft.com/office/internal/2005/internalDocumentation"/>
-  </ds:schemaRefs>
-</ds:datastoreItem>
-</file>
-
-<file path=customXml/itemProps2.xml><?xml version="1.0" encoding="utf-8"?>
-<ds:datastoreItem xmlns:ds="http://schemas.openxmlformats.org/officeDocument/2006/customXml" ds:itemID="{1851D33F-E468-417B-A30C-509B68D2BD09}">
-  <ds:schemaRefs>
-    <ds:schemaRef ds:uri="http://schemas.microsoft.com/sharepoint/v3/contenttype/forms"/>
   </ds:schemaRefs>
 </ds:datastoreItem>
 </file>
